--- a/Slides/20486Core_13.pptx
+++ b/Slides/20486Core_13.pptx
@@ -39,43 +39,43 @@
   <p:notesSz cx="6858000" cy="9144000"/>
   <p:embeddedFontLst>
     <p:embeddedFont>
+      <p:font typeface="Segoe Light" panose="020B0604020202020204" charset="0"/>
+      <p:regular r:id="rId29"/>
+      <p:italic r:id="rId30"/>
+    </p:embeddedFont>
+    <p:embeddedFont>
       <p:font typeface="Calibri" panose="020F0502020204030204" pitchFamily="34" charset="0"/>
-      <p:regular r:id="rId29"/>
-      <p:bold r:id="rId30"/>
-      <p:italic r:id="rId31"/>
-      <p:boldItalic r:id="rId32"/>
+      <p:regular r:id="rId31"/>
+      <p:bold r:id="rId32"/>
+      <p:italic r:id="rId33"/>
+      <p:boldItalic r:id="rId34"/>
     </p:embeddedFont>
     <p:embeddedFont>
       <p:font typeface="Arial Unicode MS" panose="020B0604020202020204" charset="-128"/>
-      <p:regular r:id="rId33"/>
+      <p:regular r:id="rId35"/>
     </p:embeddedFont>
     <p:embeddedFont>
       <p:font typeface="SimSun" panose="02010600030101010101" pitchFamily="2" charset="-122"/>
-      <p:regular r:id="rId34"/>
+      <p:regular r:id="rId36"/>
     </p:embeddedFont>
     <p:embeddedFont>
       <p:font typeface="Verdana" panose="020B0604030504040204" pitchFamily="34" charset="0"/>
-      <p:regular r:id="rId35"/>
-      <p:bold r:id="rId36"/>
-      <p:italic r:id="rId37"/>
-      <p:boldItalic r:id="rId38"/>
+      <p:regular r:id="rId37"/>
+      <p:bold r:id="rId38"/>
+      <p:italic r:id="rId39"/>
+      <p:boldItalic r:id="rId40"/>
     </p:embeddedFont>
     <p:embeddedFont>
       <p:font typeface="Segoe UI Light" panose="020B0502040204020203" pitchFamily="34" charset="0"/>
-      <p:regular r:id="rId39"/>
-      <p:italic r:id="rId40"/>
+      <p:regular r:id="rId41"/>
+      <p:italic r:id="rId42"/>
     </p:embeddedFont>
     <p:embeddedFont>
       <p:font typeface="Segoe" panose="020B0604020202020204" charset="0"/>
-      <p:regular r:id="rId41"/>
-      <p:bold r:id="rId42"/>
-      <p:italic r:id="rId43"/>
-      <p:boldItalic r:id="rId44"/>
-    </p:embeddedFont>
-    <p:embeddedFont>
-      <p:font typeface="Segoe Light" panose="020B0604020202020204" charset="0"/>
-      <p:regular r:id="rId45"/>
-      <p:italic r:id="rId46"/>
+      <p:regular r:id="rId43"/>
+      <p:bold r:id="rId44"/>
+      <p:italic r:id="rId45"/>
+      <p:boldItalic r:id="rId46"/>
     </p:embeddedFont>
     <p:embeddedFont>
       <p:font typeface="Segoe UI" panose="020B0502040204020203" pitchFamily="34" charset="0"/>
@@ -299,7 +299,7 @@
             <a:fld id="{7EF2A8DD-E5AD-4C3E-A901-151DC0620322}" type="datetimeFigureOut">
               <a:rPr lang="en-US" smtClean="0"/>
               <a:pPr/>
-              <a:t>12/14/2016</a:t>
+              <a:t>12/20/2016</a:t>
             </a:fld>
             <a:endParaRPr lang="en-US"/>
           </a:p>
@@ -14111,19 +14111,15 @@
             <a:spLocks noGrp="1"/>
           </p:cNvSpPr>
           <p:nvPr>
-            <p:ph type="ctrTitle" sz="quarter"/>
+            <p:ph type="title"/>
           </p:nvPr>
         </p:nvSpPr>
-        <p:spPr>
-          <a:xfrm>
-            <a:off x="3106782" y="3169492"/>
-            <a:ext cx="5732417" cy="340093"/>
-          </a:xfrm>
-        </p:spPr>
+        <p:spPr/>
         <p:txBody>
           <a:bodyPr/>
           <a:lstStyle/>
           <a:p>
+            <a:pPr algn="ctr"/>
             <a:r>
               <a:rPr lang="en-US" sz="2600" smtClean="0"/>
               <a:t>Module13</a:t>
@@ -14139,33 +14135,74 @@
             <a:spLocks noGrp="1"/>
           </p:cNvSpPr>
           <p:nvPr>
-            <p:ph type="subTitle" sz="quarter" idx="1"/>
+            <p:ph idx="1"/>
           </p:nvPr>
         </p:nvSpPr>
-        <p:spPr>
-          <a:xfrm>
-            <a:off x="3121297" y="3733800"/>
-            <a:ext cx="5775960" cy="1103872"/>
-          </a:xfrm>
-        </p:spPr>
+        <p:spPr/>
         <p:txBody>
-          <a:bodyPr/>
+          <a:bodyPr anchor="ctr"/>
           <a:lstStyle/>
           <a:p>
-            <a:r>
-              <a:rPr lang="en-US" dirty="0" smtClean="0"/>
-              <a:t>Using Windows Azure Web Services in ASP.NET MVC </a:t>
-            </a:r>
-            <a:r>
-              <a:rPr lang="en-US" dirty="0" smtClean="0"/>
-              <a:t>Core </a:t>
-            </a:r>
-            <a:r>
-              <a:rPr lang="en-US" dirty="0" smtClean="0"/>
-              <a:t>Web Applications
+            <a:pPr marL="0" indent="0" algn="ctr">
+              <a:buNone/>
+            </a:pPr>
+            <a:r>
+              <a:rPr lang="en-US" sz="4400" dirty="0" smtClean="0"/>
+              <a:t>Using </a:t>
+            </a:r>
+            <a:endParaRPr lang="en-US" sz="4400" dirty="0" smtClean="0"/>
+          </a:p>
+          <a:p>
+            <a:pPr marL="0" indent="0" algn="ctr">
+              <a:buNone/>
+            </a:pPr>
+            <a:r>
+              <a:rPr lang="en-US" sz="4400" dirty="0" smtClean="0"/>
+              <a:t>Windows </a:t>
+            </a:r>
+            <a:r>
+              <a:rPr lang="en-US" sz="4400" dirty="0" smtClean="0"/>
+              <a:t>Azure Web Services </a:t>
+            </a:r>
+            <a:endParaRPr lang="en-US" sz="4400" dirty="0" smtClean="0"/>
+          </a:p>
+          <a:p>
+            <a:pPr marL="0" indent="0" algn="ctr">
+              <a:buNone/>
+            </a:pPr>
+            <a:r>
+              <a:rPr lang="en-US" sz="4400" dirty="0" smtClean="0"/>
+              <a:t>in </a:t>
+            </a:r>
+          </a:p>
+          <a:p>
+            <a:pPr marL="0" indent="0" algn="ctr">
+              <a:buNone/>
+            </a:pPr>
+            <a:r>
+              <a:rPr lang="en-US" sz="4400" dirty="0" smtClean="0"/>
+              <a:t>ASP.NET </a:t>
+            </a:r>
+            <a:r>
+              <a:rPr lang="en-US" sz="4400" dirty="0" smtClean="0"/>
+              <a:t>MVC Core </a:t>
+            </a:r>
+            <a:endParaRPr lang="en-US" sz="4400" dirty="0" smtClean="0"/>
+          </a:p>
+          <a:p>
+            <a:pPr marL="0" indent="0" algn="ctr">
+              <a:buNone/>
+            </a:pPr>
+            <a:r>
+              <a:rPr lang="en-US" sz="4400" dirty="0" smtClean="0"/>
+              <a:t>Web </a:t>
+            </a:r>
+            <a:r>
+              <a:rPr lang="en-US" sz="4400" dirty="0" smtClean="0"/>
+              <a:t>Applications
 </a:t>
             </a:r>
-            <a:endParaRPr lang="en-US" dirty="0"/>
+            <a:endParaRPr lang="en-US" sz="4400" dirty="0"/>
           </a:p>
         </p:txBody>
       </p:sp>
@@ -14524,23 +14561,14 @@
             <a:pPr marL="1482725" lvl="3" indent="-230188"/>
             <a:r>
               <a:rPr lang="en-US" dirty="0" smtClean="0"/>
-              <a:t>ASP.NET </a:t>
-            </a:r>
+              <a:t>ASP.NET MVC </a:t>
+            </a:r>
+          </a:p>
+          <a:p>
+            <a:pPr marL="1482725" lvl="3" indent="-230188"/>
             <a:r>
               <a:rPr lang="en-US" dirty="0" smtClean="0"/>
-              <a:t>MVC </a:t>
-            </a:r>
-            <a:endParaRPr lang="en-US" dirty="0" smtClean="0"/>
-          </a:p>
-          <a:p>
-            <a:pPr marL="1482725" lvl="3" indent="-230188"/>
-            <a:r>
-              <a:rPr lang="en-US" dirty="0" smtClean="0"/>
-              <a:t>WCF </a:t>
-            </a:r>
-            <a:r>
-              <a:rPr lang="en-US" dirty="0" smtClean="0"/>
-              <a:t>Service </a:t>
+              <a:t>WCF Service </a:t>
             </a:r>
           </a:p>
           <a:p>
@@ -17474,10 +17502,18 @@
           <a:lstStyle/>
           <a:p>
             <a:r>
-              <a:rPr lang="en-US" smtClean="0"/>
-              <a:t>Lab: Using Windows Azure Web Services in ASP.NET MVC 4 Web Applications</a:t>
-            </a:r>
-            <a:endParaRPr lang="en-US"/>
+              <a:rPr lang="en-US" dirty="0" smtClean="0"/>
+              <a:t>Lab: Using Windows Azure Web Services in ASP.NET MVC </a:t>
+            </a:r>
+            <a:r>
+              <a:rPr lang="en-US" dirty="0" smtClean="0"/>
+              <a:t>Core </a:t>
+            </a:r>
+            <a:r>
+              <a:rPr lang="en-US" dirty="0" smtClean="0"/>
+              <a:t>Web Applications</a:t>
+            </a:r>
+            <a:endParaRPr lang="en-US" dirty="0"/>
           </a:p>
         </p:txBody>
       </p:sp>
@@ -17545,11 +17581,11 @@
   <p:clrMapOvr>
     <a:masterClrMapping/>
   </p:clrMapOvr>
-  <mc:AlternateContent xmlns:mc="http://schemas.openxmlformats.org/markup-compatibility/2006">
-    <mc:Choice xmlns:p14="http://schemas.microsoft.com/office/powerpoint/2010/main" Requires="p14">
+  <mc:AlternateContent xmlns:mc="http://schemas.openxmlformats.org/markup-compatibility/2006" xmlns:p14="http://schemas.microsoft.com/office/powerpoint/2010/main">
+    <mc:Choice Requires="p14">
       <p:transition spd="slow" p14:dur="2000"/>
     </mc:Choice>
-    <mc:Fallback>
+    <mc:Fallback xmlns="">
       <p:transition spd="slow"/>
     </mc:Fallback>
   </mc:AlternateContent>
@@ -17711,11 +17747,11 @@
   <p:clrMapOvr>
     <a:masterClrMapping/>
   </p:clrMapOvr>
-  <mc:AlternateContent xmlns:mc="http://schemas.openxmlformats.org/markup-compatibility/2006">
-    <mc:Choice xmlns:p14="http://schemas.microsoft.com/office/powerpoint/2010/main" Requires="p14">
+  <mc:AlternateContent xmlns:mc="http://schemas.openxmlformats.org/markup-compatibility/2006" xmlns:p14="http://schemas.microsoft.com/office/powerpoint/2010/main">
+    <mc:Choice Requires="p14">
       <p:transition spd="slow" p14:dur="2000"/>
     </mc:Choice>
-    <mc:Fallback>
+    <mc:Fallback xmlns="">
       <p:transition spd="slow"/>
     </mc:Fallback>
   </mc:AlternateContent>
@@ -17791,11 +17827,11 @@
   <p:clrMapOvr>
     <a:masterClrMapping/>
   </p:clrMapOvr>
-  <mc:AlternateContent xmlns:mc="http://schemas.openxmlformats.org/markup-compatibility/2006">
-    <mc:Choice xmlns:p14="http://schemas.microsoft.com/office/powerpoint/2010/main" Requires="p14">
+  <mc:AlternateContent xmlns:mc="http://schemas.openxmlformats.org/markup-compatibility/2006" xmlns:p14="http://schemas.microsoft.com/office/powerpoint/2010/main">
+    <mc:Choice Requires="p14">
       <p:transition spd="slow" p14:dur="2000"/>
     </mc:Choice>
-    <mc:Fallback>
+    <mc:Fallback xmlns="">
       <p:transition spd="slow"/>
     </mc:Fallback>
   </mc:AlternateContent>
@@ -17870,11 +17906,11 @@
   <p:clrMapOvr>
     <a:masterClrMapping/>
   </p:clrMapOvr>
-  <mc:AlternateContent xmlns:mc="http://schemas.openxmlformats.org/markup-compatibility/2006">
-    <mc:Choice xmlns:p14="http://schemas.microsoft.com/office/powerpoint/2010/main" Requires="p14">
+  <mc:AlternateContent xmlns:mc="http://schemas.openxmlformats.org/markup-compatibility/2006" xmlns:p14="http://schemas.microsoft.com/office/powerpoint/2010/main">
+    <mc:Choice Requires="p14">
       <p:transition spd="slow" p14:dur="2000"/>
     </mc:Choice>
-    <mc:Fallback>
+    <mc:Fallback xmlns="">
       <p:transition spd="slow"/>
     </mc:Fallback>
   </mc:AlternateContent>
